--- a/Week 3/G2M_Case_Study_Week3.pptx
+++ b/Week 3/G2M_Case_Study_Week3.pptx
@@ -6165,7 +6165,15 @@
             </a:pPr>
             <a:r>
               <a:rPr lang="en-US" dirty="0"/>
-              <a:t>19 Features( including 5 derived features)</a:t>
+              <a:t>19 Features( </a:t>
+            </a:r>
+            <a:r>
+              <a:rPr lang="en-US"/>
+              <a:t>including 6 </a:t>
+            </a:r>
+            <a:r>
+              <a:rPr lang="en-US" dirty="0"/>
+              <a:t>derived features)</a:t>
             </a:r>
           </a:p>
           <a:p>
